--- a/AutomatingDelivery.pptx
+++ b/AutomatingDelivery.pptx
@@ -6,10 +6,10 @@
     <p:sldMasterId id="2147483656" r:id="rId2"/>
   </p:sldMasterIdLst>
   <p:notesMasterIdLst>
-    <p:notesMasterId r:id="rId27"/>
+    <p:notesMasterId r:id="rId28"/>
   </p:notesMasterIdLst>
   <p:handoutMasterIdLst>
-    <p:handoutMasterId r:id="rId28"/>
+    <p:handoutMasterId r:id="rId29"/>
   </p:handoutMasterIdLst>
   <p:sldIdLst>
     <p:sldId id="676" r:id="rId3"/>
@@ -36,11 +36,12 @@
     <p:sldId id="725" r:id="rId24"/>
     <p:sldId id="702" r:id="rId25"/>
     <p:sldId id="696" r:id="rId26"/>
+    <p:sldId id="726" r:id="rId27"/>
   </p:sldIdLst>
   <p:sldSz cx="9144000" cy="5143500" type="screen16x9"/>
   <p:notesSz cx="9601200" cy="7315200"/>
   <p:custDataLst>
-    <p:tags r:id="rId29"/>
+    <p:tags r:id="rId30"/>
   </p:custDataLst>
   <p:defaultTextStyle>
     <a:defPPr>
@@ -215,6 +216,10 @@
 </p:presentation>
 </file>
 
+<file path=ppt/revisionInfo.xml><?xml version="1.0" encoding="utf-8"?>
+<p1510:revInfo xmlns:a="http://schemas.openxmlformats.org/drawingml/2006/main" xmlns:r="http://schemas.openxmlformats.org/officeDocument/2006/relationships" xmlns:p1510="http://schemas.microsoft.com/office/powerpoint/2015/10/main"/>
+</file>
+
 <file path=ppt/handoutMasters/handoutMaster1.xml><?xml version="1.0" encoding="utf-8"?>
 <p:handoutMaster xmlns:a="http://schemas.openxmlformats.org/drawingml/2006/main" xmlns:r="http://schemas.openxmlformats.org/officeDocument/2006/relationships" xmlns:p="http://schemas.openxmlformats.org/presentationml/2006/main">
   <p:cSld>
@@ -295,7 +300,7 @@
               <a:pPr>
                 <a:defRPr/>
               </a:pPr>
-              <a:t>9/12/2016 9:26 AM</a:t>
+              <a:t>11/1/2017 8:32 AM</a:t>
             </a:fld>
             <a:endParaRPr lang="en-US"/>
           </a:p>
@@ -510,7 +515,7 @@
               <a:pPr>
                 <a:defRPr/>
               </a:pPr>
-              <a:t>9/12/2016 9:26 AM</a:t>
+              <a:t>11/1/2017 8:32 AM</a:t>
             </a:fld>
             <a:endParaRPr lang="en-US"/>
           </a:p>
@@ -915,7 +920,7 @@
             <a:fld id="{645EDAD1-88E4-4536-AD95-0BFD82EC77E6}" type="datetime8">
               <a:rPr lang="en-US" smtClean="0"/>
               <a:pPr/>
-              <a:t>9/12/2016 9:26 AM</a:t>
+              <a:t>11/1/2017 8:32 AM</a:t>
             </a:fld>
             <a:endParaRPr lang="en-US"/>
           </a:p>
@@ -6757,7 +6762,7 @@
 </file>
 
 <file path=ppt/slides/slide10.xml><?xml version="1.0" encoding="utf-8"?>
-<p:sld xmlns:a="http://schemas.openxmlformats.org/drawingml/2006/main" xmlns:r="http://schemas.openxmlformats.org/officeDocument/2006/relationships" xmlns:p="http://schemas.openxmlformats.org/presentationml/2006/main">
+<p:sld xmlns:a="http://schemas.openxmlformats.org/drawingml/2006/main" xmlns:r="http://schemas.openxmlformats.org/officeDocument/2006/relationships" xmlns:p="http://schemas.openxmlformats.org/presentationml/2006/main" show="0">
   <p:cSld>
     <p:bg>
       <p:bgPr>
@@ -6823,7 +6828,7 @@
 </file>
 
 <file path=ppt/slides/slide11.xml><?xml version="1.0" encoding="utf-8"?>
-<p:sld xmlns:a="http://schemas.openxmlformats.org/drawingml/2006/main" xmlns:r="http://schemas.openxmlformats.org/officeDocument/2006/relationships" xmlns:p="http://schemas.openxmlformats.org/presentationml/2006/main">
+<p:sld xmlns:a="http://schemas.openxmlformats.org/drawingml/2006/main" xmlns:r="http://schemas.openxmlformats.org/officeDocument/2006/relationships" xmlns:p="http://schemas.openxmlformats.org/presentationml/2006/main" show="0">
   <p:cSld>
     <p:bg>
       <p:bgPr>
@@ -6889,7 +6894,7 @@
 </file>
 
 <file path=ppt/slides/slide12.xml><?xml version="1.0" encoding="utf-8"?>
-<p:sld xmlns:a="http://schemas.openxmlformats.org/drawingml/2006/main" xmlns:r="http://schemas.openxmlformats.org/officeDocument/2006/relationships" xmlns:p="http://schemas.openxmlformats.org/presentationml/2006/main">
+<p:sld xmlns:a="http://schemas.openxmlformats.org/drawingml/2006/main" xmlns:r="http://schemas.openxmlformats.org/officeDocument/2006/relationships" xmlns:p="http://schemas.openxmlformats.org/presentationml/2006/main" show="0">
   <p:cSld>
     <p:spTree>
       <p:nvGrpSpPr>
@@ -8305,6 +8310,285 @@
 </p:sld>
 </file>
 
+<file path=ppt/slides/slide25.xml><?xml version="1.0" encoding="utf-8"?>
+<p:sld xmlns:a="http://schemas.openxmlformats.org/drawingml/2006/main" xmlns:r="http://schemas.openxmlformats.org/officeDocument/2006/relationships" xmlns:p="http://schemas.openxmlformats.org/presentationml/2006/main">
+  <p:cSld>
+    <p:spTree>
+      <p:nvGrpSpPr>
+        <p:cNvPr id="1" name=""/>
+        <p:cNvGrpSpPr/>
+        <p:nvPr/>
+      </p:nvGrpSpPr>
+      <p:grpSpPr>
+        <a:xfrm>
+          <a:off x="0" y="0"/>
+          <a:ext cx="0" cy="0"/>
+          <a:chOff x="0" y="0"/>
+          <a:chExt cx="0" cy="0"/>
+        </a:xfrm>
+      </p:grpSpPr>
+      <p:sp>
+        <p:nvSpPr>
+          <p:cNvPr id="2" name="Title 1"/>
+          <p:cNvSpPr>
+            <a:spLocks noGrp="1"/>
+          </p:cNvSpPr>
+          <p:nvPr>
+            <p:ph type="title"/>
+          </p:nvPr>
+        </p:nvSpPr>
+        <p:spPr/>
+        <p:txBody>
+          <a:bodyPr/>
+          <a:lstStyle/>
+          <a:p>
+            <a:r>
+              <a:rPr lang="en-US" b="1" dirty="0"/>
+              <a:t>Info</a:t>
+            </a:r>
+          </a:p>
+        </p:txBody>
+      </p:sp>
+      <p:sp>
+        <p:nvSpPr>
+          <p:cNvPr id="3" name="Content Placeholder 2"/>
+          <p:cNvSpPr>
+            <a:spLocks noGrp="1"/>
+          </p:cNvSpPr>
+          <p:nvPr>
+            <p:ph idx="1"/>
+          </p:nvPr>
+        </p:nvSpPr>
+        <p:spPr>
+          <a:xfrm>
+            <a:off x="381003" y="1063229"/>
+            <a:ext cx="4800597" cy="1725601"/>
+          </a:xfrm>
+        </p:spPr>
+        <p:txBody>
+          <a:bodyPr/>
+          <a:lstStyle/>
+          <a:p>
+            <a:pPr marL="0" indent="0">
+              <a:buNone/>
+            </a:pPr>
+            <a:r>
+              <a:rPr lang="en-US" b="1" dirty="0"/>
+              <a:t>javier@lozanotek.com</a:t>
+            </a:r>
+          </a:p>
+          <a:p>
+            <a:pPr marL="0" indent="0">
+              <a:buNone/>
+            </a:pPr>
+            <a:r>
+              <a:rPr lang="en-US" b="1" dirty="0"/>
+              <a:t>@jglozano</a:t>
+            </a:r>
+          </a:p>
+          <a:p>
+            <a:pPr marL="0" indent="0">
+              <a:buNone/>
+            </a:pPr>
+            <a:r>
+              <a:rPr lang="en-US" b="1" dirty="0"/>
+              <a:t>http://jglozano.io</a:t>
+            </a:r>
+          </a:p>
+        </p:txBody>
+      </p:sp>
+      <p:pic>
+        <p:nvPicPr>
+          <p:cNvPr id="5" name="Picture 2" descr="C:\Users\javier\Pictures\mvp_logo.jpg"/>
+          <p:cNvPicPr>
+            <a:picLocks noChangeAspect="1" noChangeArrowheads="1"/>
+          </p:cNvPicPr>
+          <p:nvPr/>
+        </p:nvPicPr>
+        <p:blipFill>
+          <a:blip r:embed="rId2" cstate="print"/>
+          <a:srcRect/>
+          <a:stretch>
+            <a:fillRect/>
+          </a:stretch>
+        </p:blipFill>
+        <p:spPr bwMode="auto">
+          <a:xfrm>
+            <a:off x="6412088" y="1371600"/>
+            <a:ext cx="2336800" cy="709386"/>
+          </a:xfrm>
+          <a:prstGeom prst="rect">
+            <a:avLst/>
+          </a:prstGeom>
+          <a:noFill/>
+          <a:ln w="9525">
+            <a:noFill/>
+            <a:miter lim="800000"/>
+            <a:headEnd/>
+            <a:tailEnd/>
+          </a:ln>
+        </p:spPr>
+      </p:pic>
+      <p:pic>
+        <p:nvPicPr>
+          <p:cNvPr id="6" name="Picture 3" descr="C:\Users\javier\Pictures\aspinsiders_logo.gif"/>
+          <p:cNvPicPr>
+            <a:picLocks noChangeAspect="1" noChangeArrowheads="1"/>
+          </p:cNvPicPr>
+          <p:nvPr/>
+        </p:nvPicPr>
+        <p:blipFill>
+          <a:blip r:embed="rId3" cstate="print"/>
+          <a:srcRect/>
+          <a:stretch>
+            <a:fillRect/>
+          </a:stretch>
+        </p:blipFill>
+        <p:spPr bwMode="auto">
+          <a:xfrm>
+            <a:off x="6632221" y="552450"/>
+            <a:ext cx="2116667" cy="571500"/>
+          </a:xfrm>
+          <a:prstGeom prst="rect">
+            <a:avLst/>
+          </a:prstGeom>
+          <a:noFill/>
+          <a:ln w="9525">
+            <a:noFill/>
+            <a:miter lim="800000"/>
+            <a:headEnd/>
+            <a:tailEnd/>
+          </a:ln>
+        </p:spPr>
+      </p:pic>
+      <p:sp>
+        <p:nvSpPr>
+          <p:cNvPr id="7" name="TextBox 6"/>
+          <p:cNvSpPr txBox="1"/>
+          <p:nvPr/>
+        </p:nvSpPr>
+        <p:spPr>
+          <a:xfrm>
+            <a:off x="159833" y="3886200"/>
+            <a:ext cx="8847295" cy="514628"/>
+          </a:xfrm>
+          <a:prstGeom prst="rect">
+            <a:avLst/>
+          </a:prstGeom>
+          <a:noFill/>
+        </p:spPr>
+        <p:txBody>
+          <a:bodyPr wrap="none" rtlCol="0">
+            <a:spAutoFit/>
+          </a:bodyPr>
+          <a:lstStyle/>
+          <a:p>
+            <a:r>
+              <a:rPr lang="en-US" sz="3200" dirty="0">
+                <a:latin typeface="+mn-lt"/>
+              </a:rPr>
+              <a:t>https://github.com/lozanotek/automated-delivery/</a:t>
+            </a:r>
+          </a:p>
+        </p:txBody>
+      </p:sp>
+      <p:pic>
+        <p:nvPicPr>
+          <p:cNvPr id="8" name="Picture 7">
+            <a:extLst>
+              <a:ext uri="{FF2B5EF4-FFF2-40B4-BE49-F238E27FC236}">
+                <a16:creationId xmlns:a16="http://schemas.microsoft.com/office/drawing/2014/main" id="{27D1C0CC-9D62-49A4-BE6F-058B03C16F04}"/>
+              </a:ext>
+            </a:extLst>
+          </p:cNvPr>
+          <p:cNvPicPr>
+            <a:picLocks noChangeAspect="1"/>
+          </p:cNvPicPr>
+          <p:nvPr/>
+        </p:nvPicPr>
+        <p:blipFill>
+          <a:blip r:embed="rId4" cstate="print">
+            <a:extLst>
+              <a:ext uri="{28A0092B-C50C-407E-A947-70E740481C1C}">
+                <a14:useLocalDpi xmlns:a14="http://schemas.microsoft.com/office/drawing/2010/main" val="0"/>
+              </a:ext>
+            </a:extLst>
+          </a:blip>
+          <a:stretch>
+            <a:fillRect/>
+          </a:stretch>
+        </p:blipFill>
+        <p:spPr>
+          <a:xfrm>
+            <a:off x="5430679" y="2322567"/>
+            <a:ext cx="1635441" cy="1470720"/>
+          </a:xfrm>
+          <a:prstGeom prst="rect">
+            <a:avLst/>
+          </a:prstGeom>
+        </p:spPr>
+      </p:pic>
+      <p:pic>
+        <p:nvPicPr>
+          <p:cNvPr id="10" name="Picture 9">
+            <a:extLst>
+              <a:ext uri="{FF2B5EF4-FFF2-40B4-BE49-F238E27FC236}">
+                <a16:creationId xmlns:a16="http://schemas.microsoft.com/office/drawing/2014/main" id="{B82E32EA-1204-4B58-8948-9CD490410898}"/>
+              </a:ext>
+            </a:extLst>
+          </p:cNvPr>
+          <p:cNvPicPr>
+            <a:picLocks noChangeAspect="1"/>
+          </p:cNvPicPr>
+          <p:nvPr/>
+        </p:nvPicPr>
+        <p:blipFill>
+          <a:blip r:embed="rId5" cstate="print">
+            <a:extLst>
+              <a:ext uri="{28A0092B-C50C-407E-A947-70E740481C1C}">
+                <a14:useLocalDpi xmlns:a14="http://schemas.microsoft.com/office/drawing/2010/main" val="0"/>
+              </a:ext>
+            </a:extLst>
+          </a:blip>
+          <a:stretch>
+            <a:fillRect/>
+          </a:stretch>
+        </p:blipFill>
+        <p:spPr>
+          <a:xfrm>
+            <a:off x="7315200" y="2328636"/>
+            <a:ext cx="1550936" cy="1392120"/>
+          </a:xfrm>
+          <a:prstGeom prst="rect">
+            <a:avLst/>
+          </a:prstGeom>
+        </p:spPr>
+      </p:pic>
+    </p:spTree>
+    <p:extLst>
+      <p:ext uri="{BB962C8B-B14F-4D97-AF65-F5344CB8AC3E}">
+        <p14:creationId xmlns:p14="http://schemas.microsoft.com/office/powerpoint/2010/main" val="1478512009"/>
+      </p:ext>
+    </p:extLst>
+  </p:cSld>
+  <p:clrMapOvr>
+    <a:masterClrMapping/>
+  </p:clrMapOvr>
+  <mc:AlternateContent xmlns:mc="http://schemas.openxmlformats.org/markup-compatibility/2006" xmlns:p14="http://schemas.microsoft.com/office/powerpoint/2010/main">
+    <mc:Choice Requires="p14">
+      <p:transition spd="med" p14:dur="700">
+        <p:fade/>
+      </p:transition>
+    </mc:Choice>
+    <mc:Fallback xmlns="">
+      <p:transition xmlns:p14="http://schemas.microsoft.com/office/powerpoint/2010/main" spd="med">
+        <p:fade/>
+      </p:transition>
+    </mc:Fallback>
+  </mc:AlternateContent>
+</p:sld>
+</file>
+
 <file path=ppt/slides/slide3.xml><?xml version="1.0" encoding="utf-8"?>
 <p:sld xmlns:a="http://schemas.openxmlformats.org/drawingml/2006/main" xmlns:r="http://schemas.openxmlformats.org/officeDocument/2006/relationships" xmlns:p="http://schemas.openxmlformats.org/presentationml/2006/main">
   <p:cSld>
@@ -8681,6 +8965,78 @@
           </a:p>
         </p:txBody>
       </p:sp>
+      <p:pic>
+        <p:nvPicPr>
+          <p:cNvPr id="8" name="Picture 7">
+            <a:extLst>
+              <a:ext uri="{FF2B5EF4-FFF2-40B4-BE49-F238E27FC236}">
+                <a16:creationId xmlns:a16="http://schemas.microsoft.com/office/drawing/2014/main" id="{27D1C0CC-9D62-49A4-BE6F-058B03C16F04}"/>
+              </a:ext>
+            </a:extLst>
+          </p:cNvPr>
+          <p:cNvPicPr>
+            <a:picLocks noChangeAspect="1"/>
+          </p:cNvPicPr>
+          <p:nvPr/>
+        </p:nvPicPr>
+        <p:blipFill>
+          <a:blip r:embed="rId4" cstate="print">
+            <a:extLst>
+              <a:ext uri="{28A0092B-C50C-407E-A947-70E740481C1C}">
+                <a14:useLocalDpi xmlns:a14="http://schemas.microsoft.com/office/drawing/2010/main" val="0"/>
+              </a:ext>
+            </a:extLst>
+          </a:blip>
+          <a:stretch>
+            <a:fillRect/>
+          </a:stretch>
+        </p:blipFill>
+        <p:spPr>
+          <a:xfrm>
+            <a:off x="5430679" y="2322567"/>
+            <a:ext cx="1635441" cy="1470720"/>
+          </a:xfrm>
+          <a:prstGeom prst="rect">
+            <a:avLst/>
+          </a:prstGeom>
+        </p:spPr>
+      </p:pic>
+      <p:pic>
+        <p:nvPicPr>
+          <p:cNvPr id="10" name="Picture 9">
+            <a:extLst>
+              <a:ext uri="{FF2B5EF4-FFF2-40B4-BE49-F238E27FC236}">
+                <a16:creationId xmlns:a16="http://schemas.microsoft.com/office/drawing/2014/main" id="{B82E32EA-1204-4B58-8948-9CD490410898}"/>
+              </a:ext>
+            </a:extLst>
+          </p:cNvPr>
+          <p:cNvPicPr>
+            <a:picLocks noChangeAspect="1"/>
+          </p:cNvPicPr>
+          <p:nvPr/>
+        </p:nvPicPr>
+        <p:blipFill>
+          <a:blip r:embed="rId5" cstate="print">
+            <a:extLst>
+              <a:ext uri="{28A0092B-C50C-407E-A947-70E740481C1C}">
+                <a14:useLocalDpi xmlns:a14="http://schemas.microsoft.com/office/drawing/2010/main" val="0"/>
+              </a:ext>
+            </a:extLst>
+          </a:blip>
+          <a:stretch>
+            <a:fillRect/>
+          </a:stretch>
+        </p:blipFill>
+        <p:spPr>
+          <a:xfrm>
+            <a:off x="7315200" y="2328636"/>
+            <a:ext cx="1550936" cy="1392120"/>
+          </a:xfrm>
+          <a:prstGeom prst="rect">
+            <a:avLst/>
+          </a:prstGeom>
+        </p:spPr>
+      </p:pic>
     </p:spTree>
     <p:extLst>
       <p:ext uri="{BB962C8B-B14F-4D97-AF65-F5344CB8AC3E}">
